--- a/MICT-5102 Cloud Computing/Lecture/Lecture3.pptx
+++ b/MICT-5102 Cloud Computing/Lecture/Lecture3.pptx
@@ -167,27 +167,6 @@
 </p188:authorLst>
 </file>
 
-<file path=ppt/comments/modernComment_105_5ADC3716.xml><?xml version="1.0" encoding="utf-8"?>
-<p188:cmLst xmlns:a="http://schemas.openxmlformats.org/drawingml/2006/main" xmlns:r="http://schemas.openxmlformats.org/officeDocument/2006/relationships" xmlns:p188="http://schemas.microsoft.com/office/powerpoint/2018/8/main">
-  <p188:cm id="{6F103122-D449-4CBA-BD1C-FA9FD4658A3D}" authorId="{FED87C3C-A2A0-3669-3BC8-433581C40306}" created="2023-11-01T16:24:20.371">
-    <pc:sldMkLst xmlns:pc="http://schemas.microsoft.com/office/powerpoint/2013/main/command">
-      <pc:docMk/>
-      <pc:sldMk cId="1524381462" sldId="261"/>
-    </pc:sldMkLst>
-    <p188:txBody>
-      <a:bodyPr/>
-      <a:lstStyle/>
-      <a:p>
-        <a:r>
-          <a:rPr lang="en-US"/>
-          <a:t>Horizontal scaling means scaling by adding more machines to your pool of resources (also described as “scaling out”), whereas vertical scaling refers to scaling by adding more power (e.g. CPU, RAM) to an existing machine (also described as “scaling up”).</a:t>
-        </a:r>
-      </a:p>
-    </p188:txBody>
-  </p188:cm>
-</p188:cmLst>
-</file>
-
 <file path=ppt/slideLayouts/slideLayout1.xml><?xml version="1.0" encoding="utf-8"?>
 <p:sldLayout xmlns:a="http://schemas.openxmlformats.org/drawingml/2006/main" xmlns:r="http://schemas.openxmlformats.org/officeDocument/2006/relationships" xmlns:p="http://schemas.openxmlformats.org/presentationml/2006/main" type="title" preserve="1">
   <p:cSld name="Title Slide">
@@ -337,7 +316,7 @@
           <a:p>
             <a:fld id="{EE2E7243-9EB6-4EA3-99F3-EAE02B2ADB80}" type="datetimeFigureOut">
               <a:rPr lang="en-SG" smtClean="0"/>
-              <a:t>13/6/2024</a:t>
+              <a:t>20/9/2024</a:t>
             </a:fld>
             <a:endParaRPr lang="en-SG"/>
           </a:p>
@@ -537,7 +516,7 @@
           <a:p>
             <a:fld id="{EE2E7243-9EB6-4EA3-99F3-EAE02B2ADB80}" type="datetimeFigureOut">
               <a:rPr lang="en-SG" smtClean="0"/>
-              <a:t>13/6/2024</a:t>
+              <a:t>20/9/2024</a:t>
             </a:fld>
             <a:endParaRPr lang="en-SG"/>
           </a:p>
@@ -747,7 +726,7 @@
           <a:p>
             <a:fld id="{EE2E7243-9EB6-4EA3-99F3-EAE02B2ADB80}" type="datetimeFigureOut">
               <a:rPr lang="en-SG" smtClean="0"/>
-              <a:t>13/6/2024</a:t>
+              <a:t>20/9/2024</a:t>
             </a:fld>
             <a:endParaRPr lang="en-SG"/>
           </a:p>
@@ -947,7 +926,7 @@
           <a:p>
             <a:fld id="{EE2E7243-9EB6-4EA3-99F3-EAE02B2ADB80}" type="datetimeFigureOut">
               <a:rPr lang="en-SG" smtClean="0"/>
-              <a:t>13/6/2024</a:t>
+              <a:t>20/9/2024</a:t>
             </a:fld>
             <a:endParaRPr lang="en-SG"/>
           </a:p>
@@ -1223,7 +1202,7 @@
           <a:p>
             <a:fld id="{EE2E7243-9EB6-4EA3-99F3-EAE02B2ADB80}" type="datetimeFigureOut">
               <a:rPr lang="en-SG" smtClean="0"/>
-              <a:t>13/6/2024</a:t>
+              <a:t>20/9/2024</a:t>
             </a:fld>
             <a:endParaRPr lang="en-SG"/>
           </a:p>
@@ -1491,7 +1470,7 @@
           <a:p>
             <a:fld id="{EE2E7243-9EB6-4EA3-99F3-EAE02B2ADB80}" type="datetimeFigureOut">
               <a:rPr lang="en-SG" smtClean="0"/>
-              <a:t>13/6/2024</a:t>
+              <a:t>20/9/2024</a:t>
             </a:fld>
             <a:endParaRPr lang="en-SG"/>
           </a:p>
@@ -1906,7 +1885,7 @@
           <a:p>
             <a:fld id="{EE2E7243-9EB6-4EA3-99F3-EAE02B2ADB80}" type="datetimeFigureOut">
               <a:rPr lang="en-SG" smtClean="0"/>
-              <a:t>13/6/2024</a:t>
+              <a:t>20/9/2024</a:t>
             </a:fld>
             <a:endParaRPr lang="en-SG"/>
           </a:p>
@@ -2048,7 +2027,7 @@
           <a:p>
             <a:fld id="{EE2E7243-9EB6-4EA3-99F3-EAE02B2ADB80}" type="datetimeFigureOut">
               <a:rPr lang="en-SG" smtClean="0"/>
-              <a:t>13/6/2024</a:t>
+              <a:t>20/9/2024</a:t>
             </a:fld>
             <a:endParaRPr lang="en-SG"/>
           </a:p>
@@ -2161,7 +2140,7 @@
           <a:p>
             <a:fld id="{EE2E7243-9EB6-4EA3-99F3-EAE02B2ADB80}" type="datetimeFigureOut">
               <a:rPr lang="en-SG" smtClean="0"/>
-              <a:t>13/6/2024</a:t>
+              <a:t>20/9/2024</a:t>
             </a:fld>
             <a:endParaRPr lang="en-SG"/>
           </a:p>
@@ -2474,7 +2453,7 @@
           <a:p>
             <a:fld id="{EE2E7243-9EB6-4EA3-99F3-EAE02B2ADB80}" type="datetimeFigureOut">
               <a:rPr lang="en-SG" smtClean="0"/>
-              <a:t>13/6/2024</a:t>
+              <a:t>20/9/2024</a:t>
             </a:fld>
             <a:endParaRPr lang="en-SG"/>
           </a:p>
@@ -2763,7 +2742,7 @@
           <a:p>
             <a:fld id="{EE2E7243-9EB6-4EA3-99F3-EAE02B2ADB80}" type="datetimeFigureOut">
               <a:rPr lang="en-SG" smtClean="0"/>
-              <a:t>13/6/2024</a:t>
+              <a:t>20/9/2024</a:t>
             </a:fld>
             <a:endParaRPr lang="en-SG"/>
           </a:p>
@@ -3006,7 +2985,7 @@
           <a:p>
             <a:fld id="{EE2E7243-9EB6-4EA3-99F3-EAE02B2ADB80}" type="datetimeFigureOut">
               <a:rPr lang="en-SG" smtClean="0"/>
-              <a:t>13/6/2024</a:t>
+              <a:t>20/9/2024</a:t>
             </a:fld>
             <a:endParaRPr lang="en-SG"/>
           </a:p>
@@ -6705,18 +6684,21 @@
           </a:bodyPr>
           <a:lstStyle/>
           <a:p>
+            <a:pPr algn="just"/>
             <a:r>
               <a:rPr lang="en-SG" dirty="0"/>
               <a:t>A distributed system is the result of the interaction of several components that traverse the entire computing stack from hardware to software.</a:t>
             </a:r>
           </a:p>
           <a:p>
+            <a:pPr algn="just"/>
             <a:r>
               <a:rPr lang="en-SG" dirty="0"/>
               <a:t> It emerges from the collaboration of several elements that—by working together—give users the illusion of a single coherent system.</a:t>
             </a:r>
           </a:p>
           <a:p>
+            <a:pPr algn="just"/>
             <a:r>
               <a:rPr lang="en-SG" dirty="0"/>
               <a:t>Figure provides an overview of the different layers that are involved in providing the services of a distributed system.</a:t>
@@ -6785,10 +6767,10 @@
       </p:grpSpPr>
       <p:sp>
         <p:nvSpPr>
-          <p:cNvPr id="2" name="Title 1">
-            <a:extLst>
-              <a:ext uri="{FF2B5EF4-FFF2-40B4-BE49-F238E27FC236}">
-                <a16:creationId xmlns:a16="http://schemas.microsoft.com/office/drawing/2014/main" id="{133FD1A2-FE80-F252-24DB-745D4527F2E4}"/>
+          <p:cNvPr id="3" name="Content Placeholder 2">
+            <a:extLst>
+              <a:ext uri="{FF2B5EF4-FFF2-40B4-BE49-F238E27FC236}">
+                <a16:creationId xmlns:a16="http://schemas.microsoft.com/office/drawing/2014/main" id="{AC283BF4-DC07-CF47-81C6-7BF0989B3219}"/>
               </a:ext>
             </a:extLst>
           </p:cNvPr>
@@ -6796,60 +6778,36 @@
             <a:spLocks noGrp="1"/>
           </p:cNvSpPr>
           <p:nvPr>
-            <p:ph type="title"/>
-          </p:nvPr>
-        </p:nvSpPr>
-        <p:spPr/>
-        <p:txBody>
-          <a:bodyPr/>
-          <a:lstStyle/>
-          <a:p>
-            <a:r>
-              <a:rPr lang="en-SG" dirty="0" err="1"/>
-              <a:t>Cont</a:t>
-            </a:r>
-            <a:r>
-              <a:rPr lang="en-SG" dirty="0"/>
-              <a:t>….</a:t>
-            </a:r>
-          </a:p>
-        </p:txBody>
-      </p:sp>
-      <p:sp>
-        <p:nvSpPr>
-          <p:cNvPr id="3" name="Content Placeholder 2">
-            <a:extLst>
-              <a:ext uri="{FF2B5EF4-FFF2-40B4-BE49-F238E27FC236}">
-                <a16:creationId xmlns:a16="http://schemas.microsoft.com/office/drawing/2014/main" id="{AC283BF4-DC07-CF47-81C6-7BF0989B3219}"/>
-              </a:ext>
-            </a:extLst>
-          </p:cNvPr>
-          <p:cNvSpPr>
-            <a:spLocks noGrp="1"/>
-          </p:cNvSpPr>
-          <p:nvPr>
             <p:ph sz="half" idx="1"/>
           </p:nvPr>
         </p:nvSpPr>
-        <p:spPr/>
+        <p:spPr>
+          <a:xfrm>
+            <a:off x="838200" y="561903"/>
+            <a:ext cx="5552325" cy="6023831"/>
+          </a:xfrm>
+        </p:spPr>
         <p:txBody>
           <a:bodyPr>
-            <a:normAutofit fontScale="85000" lnSpcReduction="20000"/>
+            <a:normAutofit fontScale="92500"/>
           </a:bodyPr>
           <a:lstStyle/>
           <a:p>
+            <a:pPr algn="just"/>
             <a:r>
               <a:rPr lang="en-SG" dirty="0"/>
               <a:t>At the very bottom layer, computer and network hardware constitute the physical infrastructure; </a:t>
             </a:r>
           </a:p>
           <a:p>
+            <a:pPr algn="just"/>
             <a:r>
               <a:rPr lang="en-SG" dirty="0"/>
               <a:t>these components are directly managed by the operating system, which provides the basic services for inter-process communication (IPC), process scheduling and management, and resource management in terms of file system and local devices. </a:t>
             </a:r>
           </a:p>
           <a:p>
+            <a:pPr algn="just"/>
             <a:r>
               <a:rPr lang="en-SG" dirty="0"/>
               <a:t>Taken together these two layers become the platform on top of which specialized software is deployed to turn a set of networked computers into a distributed system</a:t>
@@ -6881,7 +6839,7 @@
         </p:blipFill>
         <p:spPr>
           <a:xfrm>
-            <a:off x="6172200" y="2525718"/>
+            <a:off x="6390525" y="2546267"/>
             <a:ext cx="5181600" cy="2951151"/>
           </a:xfrm>
         </p:spPr>
@@ -6989,10 +6947,10 @@
       </p:sp>
       <p:sp>
         <p:nvSpPr>
-          <p:cNvPr id="2" name="Title 1">
-            <a:extLst>
-              <a:ext uri="{FF2B5EF4-FFF2-40B4-BE49-F238E27FC236}">
-                <a16:creationId xmlns:a16="http://schemas.microsoft.com/office/drawing/2014/main" id="{176D2AF1-7241-1010-0DA3-0BED43B7990B}"/>
+          <p:cNvPr id="3" name="Content Placeholder 2">
+            <a:extLst>
+              <a:ext uri="{FF2B5EF4-FFF2-40B4-BE49-F238E27FC236}">
+                <a16:creationId xmlns:a16="http://schemas.microsoft.com/office/drawing/2014/main" id="{C1BD7721-0F7F-F20F-08C4-25D0DEDC0C94}"/>
               </a:ext>
             </a:extLst>
           </p:cNvPr>
@@ -7000,88 +6958,38 @@
             <a:spLocks noGrp="1"/>
           </p:cNvSpPr>
           <p:nvPr>
-            <p:ph type="title"/>
+            <p:ph sz="half" idx="1"/>
           </p:nvPr>
         </p:nvSpPr>
         <p:spPr>
           <a:xfrm>
-            <a:off x="643467" y="321734"/>
-            <a:ext cx="10905066" cy="1135737"/>
+            <a:off x="590453" y="617080"/>
+            <a:ext cx="5214445" cy="5773446"/>
           </a:xfrm>
         </p:spPr>
         <p:txBody>
-          <a:bodyPr vert="horz" lIns="91440" tIns="45720" rIns="91440" bIns="45720" rtlCol="0" anchor="ctr">
-            <a:normAutofit/>
+          <a:bodyPr vert="horz" lIns="91440" tIns="45720" rIns="91440" bIns="45720" rtlCol="0">
+            <a:normAutofit fontScale="92500"/>
           </a:bodyPr>
           <a:lstStyle/>
           <a:p>
-            <a:r>
-              <a:rPr lang="en-US" sz="3600" kern="1200" dirty="0" err="1">
-                <a:solidFill>
-                  <a:schemeClr val="tx1"/>
-                </a:solidFill>
-                <a:latin typeface="+mj-lt"/>
-                <a:ea typeface="+mj-ea"/>
-                <a:cs typeface="+mj-cs"/>
-              </a:rPr>
-              <a:t>Cont</a:t>
-            </a:r>
-            <a:r>
-              <a:rPr lang="en-US" sz="3600" kern="1200" dirty="0">
-                <a:solidFill>
-                  <a:schemeClr val="tx1"/>
-                </a:solidFill>
-                <a:latin typeface="+mj-lt"/>
-                <a:ea typeface="+mj-ea"/>
-                <a:cs typeface="+mj-cs"/>
-              </a:rPr>
-              <a:t>…</a:t>
-            </a:r>
-          </a:p>
-        </p:txBody>
-      </p:sp>
-      <p:sp>
-        <p:nvSpPr>
-          <p:cNvPr id="3" name="Content Placeholder 2">
-            <a:extLst>
-              <a:ext uri="{FF2B5EF4-FFF2-40B4-BE49-F238E27FC236}">
-                <a16:creationId xmlns:a16="http://schemas.microsoft.com/office/drawing/2014/main" id="{C1BD7721-0F7F-F20F-08C4-25D0DEDC0C94}"/>
-              </a:ext>
-            </a:extLst>
-          </p:cNvPr>
-          <p:cNvSpPr>
-            <a:spLocks noGrp="1"/>
-          </p:cNvSpPr>
-          <p:nvPr>
-            <p:ph sz="half" idx="1"/>
-          </p:nvPr>
-        </p:nvSpPr>
-        <p:spPr>
-          <a:xfrm>
-            <a:off x="643469" y="1782981"/>
-            <a:ext cx="4008384" cy="4393982"/>
-          </a:xfrm>
-        </p:spPr>
-        <p:txBody>
-          <a:bodyPr vert="horz" lIns="91440" tIns="45720" rIns="91440" bIns="45720" rtlCol="0">
-            <a:normAutofit/>
-          </a:bodyPr>
-          <a:lstStyle/>
-          <a:p>
-            <a:r>
-              <a:rPr lang="en-US" sz="1600" dirty="0"/>
+            <a:pPr algn="just"/>
+            <a:r>
+              <a:rPr lang="en-US" sz="2400" dirty="0"/>
               <a:t>The middleware layer provides services to build a uniform environment for the development and deployment of distributed applications. </a:t>
             </a:r>
           </a:p>
           <a:p>
-            <a:r>
-              <a:rPr lang="en-US" sz="1600" dirty="0"/>
+            <a:pPr algn="just"/>
+            <a:r>
+              <a:rPr lang="en-US" sz="2400" dirty="0"/>
               <a:t>This layer supports the programming paradigms for distributed systems.</a:t>
             </a:r>
           </a:p>
           <a:p>
-            <a:r>
-              <a:rPr lang="en-US" sz="1600" dirty="0">
+            <a:pPr algn="just"/>
+            <a:r>
+              <a:rPr lang="en-US" sz="2400" dirty="0">
                 <a:solidFill>
                   <a:srgbClr val="FF0000"/>
                 </a:solidFill>
@@ -7090,8 +6998,9 @@
             </a:r>
           </a:p>
           <a:p>
-            <a:r>
-              <a:rPr lang="en-US" sz="1600" dirty="0"/>
+            <a:pPr algn="just"/>
+            <a:r>
+              <a:rPr lang="en-US" sz="2400" dirty="0"/>
               <a:t> All of them constitute a uniform interface to distributed application developers that is completely independent from the underlying operating system and hides all the heterogeneities of the bottom layers</a:t>
             </a:r>
           </a:p>
@@ -7281,7 +7190,7 @@
         </p:blipFill>
         <p:spPr>
           <a:xfrm>
-            <a:off x="5295320" y="2181762"/>
+            <a:off x="5804898" y="2150940"/>
             <a:ext cx="6253212" cy="3564330"/>
           </a:xfrm>
           <a:prstGeom prst="rect">
@@ -9381,18 +9290,21 @@
           </a:bodyPr>
           <a:lstStyle/>
           <a:p>
+            <a:pPr algn="just"/>
             <a:r>
               <a:rPr lang="en-US" sz="1900" dirty="0"/>
               <a:t>Software architectural styles are based on the logical arrangement of software components.</a:t>
             </a:r>
           </a:p>
           <a:p>
+            <a:pPr algn="just"/>
             <a:r>
               <a:rPr lang="en-US" sz="1900" dirty="0"/>
               <a:t> They are helpful because they provide an intuitive view of the whole system, despite its physical deployment. </a:t>
             </a:r>
           </a:p>
           <a:p>
+            <a:pPr algn="just"/>
             <a:r>
               <a:rPr lang="en-US" sz="1900" dirty="0"/>
               <a:t>According to </a:t>
@@ -10231,19 +10143,24 @@
             <p:ph sz="half" idx="1"/>
           </p:nvPr>
         </p:nvSpPr>
-        <p:spPr/>
+        <p:spPr>
+          <a:xfrm>
+            <a:off x="838200" y="1496852"/>
+            <a:ext cx="5181600" cy="4893674"/>
+          </a:xfrm>
+        </p:spPr>
         <p:txBody>
           <a:bodyPr>
-            <a:normAutofit fontScale="55000" lnSpcReduction="20000"/>
+            <a:normAutofit lnSpcReduction="10000"/>
           </a:bodyPr>
           <a:lstStyle/>
           <a:p>
-            <a:pPr algn="l">
+            <a:pPr algn="just">
               <a:buFont typeface="Arial" panose="020B0604020202020204" pitchFamily="34" charset="0"/>
               <a:buChar char="•"/>
             </a:pPr>
             <a:r>
-              <a:rPr lang="en-US" b="0" i="0" u="none" strike="noStrike" dirty="0">
+              <a:rPr lang="en-US" sz="1600" b="0" i="0" u="none" strike="noStrike" dirty="0">
                 <a:solidFill>
                   <a:srgbClr val="000000"/>
                 </a:solidFill>
@@ -10254,12 +10171,12 @@
             </a:r>
           </a:p>
           <a:p>
-            <a:pPr algn="l">
+            <a:pPr algn="just">
               <a:buFont typeface="Arial" panose="020B0604020202020204" pitchFamily="34" charset="0"/>
               <a:buChar char="•"/>
             </a:pPr>
             <a:r>
-              <a:rPr lang="en-US" b="0" i="0" u="none" strike="noStrike" dirty="0">
+              <a:rPr lang="en-US" sz="1600" b="0" i="0" u="none" strike="noStrike" dirty="0">
                 <a:solidFill>
                   <a:srgbClr val="000000"/>
                 </a:solidFill>
@@ -10270,12 +10187,12 @@
             </a:r>
           </a:p>
           <a:p>
-            <a:pPr algn="l">
+            <a:pPr algn="just">
               <a:buFont typeface="Arial" panose="020B0604020202020204" pitchFamily="34" charset="0"/>
               <a:buChar char="•"/>
             </a:pPr>
             <a:r>
-              <a:rPr lang="en-US" b="0" i="0" u="none" strike="noStrike" dirty="0">
+              <a:rPr lang="en-US" sz="1600" b="0" i="0" u="none" strike="noStrike" dirty="0">
                 <a:solidFill>
                   <a:srgbClr val="000000"/>
                 </a:solidFill>
@@ -10286,12 +10203,12 @@
             </a:r>
           </a:p>
           <a:p>
-            <a:pPr algn="l">
+            <a:pPr algn="just">
               <a:buFont typeface="Arial" panose="020B0604020202020204" pitchFamily="34" charset="0"/>
               <a:buChar char="•"/>
             </a:pPr>
             <a:r>
-              <a:rPr lang="en-US" b="0" i="0" u="none" strike="noStrike" dirty="0">
+              <a:rPr lang="en-US" sz="1600" b="0" i="0" u="none" strike="noStrike" dirty="0">
                 <a:solidFill>
                   <a:srgbClr val="000000"/>
                 </a:solidFill>
@@ -10302,12 +10219,12 @@
             </a:r>
           </a:p>
           <a:p>
-            <a:pPr algn="l">
+            <a:pPr algn="just">
               <a:buFont typeface="Arial" panose="020B0604020202020204" pitchFamily="34" charset="0"/>
               <a:buChar char="•"/>
             </a:pPr>
             <a:r>
-              <a:rPr lang="en-US" b="0" i="0" dirty="0">
+              <a:rPr lang="en-US" sz="1600" b="0" i="0" dirty="0">
                 <a:solidFill>
                   <a:srgbClr val="000000"/>
                 </a:solidFill>
@@ -10318,12 +10235,12 @@
             </a:r>
           </a:p>
           <a:p>
-            <a:pPr algn="l">
+            <a:pPr algn="just">
               <a:buFont typeface="Arial" panose="020B0604020202020204" pitchFamily="34" charset="0"/>
               <a:buChar char="•"/>
             </a:pPr>
             <a:r>
-              <a:rPr lang="en-US" b="0" i="0" dirty="0">
+              <a:rPr lang="en-US" sz="1600" b="0" i="0" dirty="0">
                 <a:solidFill>
                   <a:srgbClr val="000000"/>
                 </a:solidFill>
@@ -10334,12 +10251,12 @@
             </a:r>
           </a:p>
           <a:p>
-            <a:pPr algn="l">
+            <a:pPr algn="just">
               <a:buFont typeface="Arial" panose="020B0604020202020204" pitchFamily="34" charset="0"/>
               <a:buChar char="•"/>
             </a:pPr>
             <a:r>
-              <a:rPr lang="en-US" b="0" i="0" dirty="0">
+              <a:rPr lang="en-US" sz="1600" b="0" i="0" dirty="0">
                 <a:solidFill>
                   <a:srgbClr val="000000"/>
                 </a:solidFill>
@@ -10350,12 +10267,12 @@
             </a:r>
           </a:p>
           <a:p>
-            <a:pPr algn="l">
+            <a:pPr algn="just">
               <a:buFont typeface="Arial" panose="020B0604020202020204" pitchFamily="34" charset="0"/>
               <a:buChar char="•"/>
             </a:pPr>
             <a:r>
-              <a:rPr lang="en-US" b="0" i="0" dirty="0">
+              <a:rPr lang="en-US" sz="1600" b="0" i="0" dirty="0">
                 <a:solidFill>
                   <a:srgbClr val="000000"/>
                 </a:solidFill>
@@ -10364,19 +10281,13 @@
               </a:rPr>
               <a:t>If there is insufficient data in the input pipes, the filter simply waits.</a:t>
             </a:r>
-            <a:br>
-              <a:rPr lang="en-US" dirty="0"/>
-            </a:br>
-            <a:endParaRPr lang="en-US" b="0" i="0" u="none" strike="noStrike" dirty="0">
+            <a:endParaRPr lang="en-US" sz="1600" b="0" i="0" u="none" strike="noStrike" dirty="0">
               <a:solidFill>
                 <a:srgbClr val="000000"/>
               </a:solidFill>
               <a:effectLst/>
               <a:latin typeface="Verdana" panose="020B0604030504040204" pitchFamily="34" charset="0"/>
             </a:endParaRPr>
-          </a:p>
-          <a:p>
-            <a:endParaRPr lang="en-US" dirty="0"/>
           </a:p>
         </p:txBody>
       </p:sp>
@@ -13788,26 +13699,26 @@
         <p:spPr/>
         <p:txBody>
           <a:bodyPr>
-            <a:normAutofit fontScale="70000" lnSpcReduction="20000"/>
+            <a:normAutofit fontScale="92500" lnSpcReduction="10000"/>
           </a:bodyPr>
           <a:lstStyle/>
           <a:p>
             <a:r>
-              <a:rPr lang="en-SG" b="1" dirty="0"/>
+              <a:rPr lang="en-SG" sz="2400" b="1" dirty="0"/>
               <a:t>Event Systems:</a:t>
             </a:r>
           </a:p>
           <a:p>
             <a:pPr lvl="1"/>
             <a:r>
-              <a:rPr lang="en-SG" dirty="0"/>
+              <a:rPr lang="en-SG" sz="1800" dirty="0"/>
               <a:t>In this architectural style, the components of the system are loosely coupled and connected.</a:t>
             </a:r>
           </a:p>
           <a:p>
             <a:pPr lvl="1"/>
             <a:r>
-              <a:rPr lang="en-SG" b="0" i="0" dirty="0">
+              <a:rPr lang="en-SG" sz="1800" b="0" i="0" dirty="0">
                 <a:solidFill>
                   <a:srgbClr val="080809"/>
                 </a:solidFill>
@@ -13820,7 +13731,7 @@
           <a:p>
             <a:pPr lvl="1"/>
             <a:r>
-              <a:rPr lang="en-SG" b="0" i="0" dirty="0">
+              <a:rPr lang="en-SG" sz="1800" b="0" i="0" dirty="0">
                 <a:solidFill>
                   <a:srgbClr val="080809"/>
                 </a:solidFill>
@@ -13833,7 +13744,7 @@
           <a:p>
             <a:pPr lvl="1"/>
             <a:r>
-              <a:rPr lang="en-SG" b="0" i="0" dirty="0">
+              <a:rPr lang="en-SG" sz="1800" b="0" i="0" dirty="0">
                 <a:solidFill>
                   <a:srgbClr val="080809"/>
                 </a:solidFill>
@@ -13842,87 +13753,79 @@
               </a:rPr>
               <a:t>As such, the receiver can process what information they receive and act accordingly.</a:t>
             </a:r>
-            <a:endParaRPr lang="en-SG" dirty="0"/>
+            <a:endParaRPr lang="en-SG" sz="1800" dirty="0"/>
           </a:p>
           <a:p>
             <a:pPr lvl="1"/>
             <a:r>
-              <a:rPr lang="en-SG" dirty="0"/>
-              <a:t> Each </a:t>
-            </a:r>
-            <a:r>
-              <a:rPr lang="en-SG"/>
-              <a:t>component  </a:t>
-            </a:r>
-            <a:r>
-              <a:rPr lang="en-SG" dirty="0"/>
-              <a:t>publishes (or announces) a collection of events with which other components can register.</a:t>
+              <a:rPr lang="en-SG" sz="1800" dirty="0"/>
+              <a:t> Each component  publishes (or announces) a collection of events with which other components can register.</a:t>
             </a:r>
           </a:p>
           <a:p>
             <a:pPr lvl="1"/>
             <a:r>
-              <a:rPr lang="en-SG" dirty="0"/>
+              <a:rPr lang="en-SG" sz="1800" dirty="0"/>
               <a:t> In general, other components provide a </a:t>
             </a:r>
             <a:r>
-              <a:rPr lang="en-SG" dirty="0" err="1"/>
+              <a:rPr lang="en-SG" sz="1800" dirty="0" err="1"/>
               <a:t>callback</a:t>
             </a:r>
             <a:r>
-              <a:rPr lang="en-SG" dirty="0"/>
+              <a:rPr lang="en-SG" sz="1800" dirty="0"/>
               <a:t> that will be executed when the event is activated.</a:t>
             </a:r>
           </a:p>
           <a:p>
             <a:pPr lvl="1"/>
             <a:r>
-              <a:rPr lang="en-SG" dirty="0"/>
+              <a:rPr lang="en-SG" sz="1800" dirty="0"/>
               <a:t> During the activity of a component, a specific runtime condition can activate one of the exposed events, thus triggering the execution of the </a:t>
             </a:r>
             <a:r>
-              <a:rPr lang="en-SG" dirty="0" err="1"/>
+              <a:rPr lang="en-SG" sz="1800" dirty="0" err="1"/>
               <a:t>callbacks</a:t>
             </a:r>
             <a:r>
-              <a:rPr lang="en-SG" dirty="0"/>
+              <a:rPr lang="en-SG" sz="1800" dirty="0"/>
               <a:t> registered with it.</a:t>
             </a:r>
           </a:p>
           <a:p>
             <a:pPr lvl="1"/>
             <a:r>
-              <a:rPr lang="en-SG" dirty="0"/>
+              <a:rPr lang="en-SG" sz="1800" dirty="0"/>
               <a:t> Event activation may be accompanied by contextual information that can be used in the </a:t>
             </a:r>
             <a:r>
-              <a:rPr lang="en-SG" dirty="0" err="1"/>
+              <a:rPr lang="en-SG" sz="1800" dirty="0" err="1"/>
               <a:t>callback</a:t>
             </a:r>
             <a:r>
-              <a:rPr lang="en-SG" dirty="0"/>
+              <a:rPr lang="en-SG" sz="1800" dirty="0"/>
               <a:t> to handle the event.</a:t>
             </a:r>
           </a:p>
           <a:p>
             <a:pPr lvl="1"/>
             <a:r>
-              <a:rPr lang="en-SG" dirty="0"/>
+              <a:rPr lang="en-SG" sz="1800" dirty="0"/>
               <a:t> This information can be passed as an argument to the </a:t>
             </a:r>
             <a:r>
-              <a:rPr lang="en-SG" dirty="0" err="1"/>
+              <a:rPr lang="en-SG" sz="1800" dirty="0" err="1"/>
               <a:t>callback</a:t>
             </a:r>
             <a:r>
-              <a:rPr lang="en-SG" dirty="0"/>
+              <a:rPr lang="en-SG" sz="1800" dirty="0"/>
               <a:t> or by using some shared repository between components.</a:t>
             </a:r>
           </a:p>
           <a:p>
             <a:pPr lvl="1"/>
             <a:r>
-              <a:rPr lang="en-SG" dirty="0"/>
+              <a:rPr lang="en-SG" sz="1800" dirty="0"/>
               <a:t> Event-based systems have become quite popular, and support for their implementation is provided either at the API level or the programming language level.</a:t>
             </a:r>
           </a:p>
@@ -14060,11 +13963,6 @@
   <p:clrMapOvr>
     <a:masterClrMapping/>
   </p:clrMapOvr>
-  <p:extLst>
-    <p:ext uri="{6950BFC3-D8DA-4A85-94F7-54DA5524770B}">
-      <p188:commentRel xmlns:p188="http://schemas.microsoft.com/office/powerpoint/2018/8/main" r:id="rId2"/>
-    </p:ext>
-  </p:extLst>
 </p:sld>
 </file>
 
